--- a/Machine_Learning_Internship_Promadent.pptx
+++ b/Machine_Learning_Internship_Promadent.pptx
@@ -324,7 +324,7 @@
           <a:p>
             <a:fld id="{F81F0916-2CB0-CF4C-BC3B-D82614A192FF}" type="datetimeFigureOut">
               <a:rPr lang="en-US" smtClean="0"/>
-              <a:t>9/29/21</a:t>
+              <a:t>8/5/22</a:t>
             </a:fld>
             <a:endParaRPr lang="en-US"/>
           </a:p>
@@ -822,7 +822,7 @@
           <a:p>
             <a:fld id="{3D2C2ACD-6AEA-D843-8AF0-F80CB715BF95}" type="datetimeFigureOut">
               <a:rPr lang="en-US" smtClean="0"/>
-              <a:t>9/29/21</a:t>
+              <a:t>8/5/22</a:t>
             </a:fld>
             <a:endParaRPr lang="en-US"/>
           </a:p>
@@ -1020,7 +1020,7 @@
           <a:p>
             <a:fld id="{3D2C2ACD-6AEA-D843-8AF0-F80CB715BF95}" type="datetimeFigureOut">
               <a:rPr lang="en-US" smtClean="0"/>
-              <a:t>9/29/21</a:t>
+              <a:t>8/5/22</a:t>
             </a:fld>
             <a:endParaRPr lang="en-US"/>
           </a:p>
@@ -1228,7 +1228,7 @@
           <a:p>
             <a:fld id="{3D2C2ACD-6AEA-D843-8AF0-F80CB715BF95}" type="datetimeFigureOut">
               <a:rPr lang="en-US" smtClean="0"/>
-              <a:t>9/29/21</a:t>
+              <a:t>8/5/22</a:t>
             </a:fld>
             <a:endParaRPr lang="en-US"/>
           </a:p>
@@ -1426,7 +1426,7 @@
           <a:p>
             <a:fld id="{3D2C2ACD-6AEA-D843-8AF0-F80CB715BF95}" type="datetimeFigureOut">
               <a:rPr lang="en-US" smtClean="0"/>
-              <a:t>9/29/21</a:t>
+              <a:t>8/5/22</a:t>
             </a:fld>
             <a:endParaRPr lang="en-US"/>
           </a:p>
@@ -1701,7 +1701,7 @@
           <a:p>
             <a:fld id="{3D2C2ACD-6AEA-D843-8AF0-F80CB715BF95}" type="datetimeFigureOut">
               <a:rPr lang="en-US" smtClean="0"/>
-              <a:t>9/29/21</a:t>
+              <a:t>8/5/22</a:t>
             </a:fld>
             <a:endParaRPr lang="en-US"/>
           </a:p>
@@ -1966,7 +1966,7 @@
           <a:p>
             <a:fld id="{3D2C2ACD-6AEA-D843-8AF0-F80CB715BF95}" type="datetimeFigureOut">
               <a:rPr lang="en-US" smtClean="0"/>
-              <a:t>9/29/21</a:t>
+              <a:t>8/5/22</a:t>
             </a:fld>
             <a:endParaRPr lang="en-US"/>
           </a:p>
@@ -2378,7 +2378,7 @@
           <a:p>
             <a:fld id="{3D2C2ACD-6AEA-D843-8AF0-F80CB715BF95}" type="datetimeFigureOut">
               <a:rPr lang="en-US" smtClean="0"/>
-              <a:t>9/29/21</a:t>
+              <a:t>8/5/22</a:t>
             </a:fld>
             <a:endParaRPr lang="en-US"/>
           </a:p>
@@ -2519,7 +2519,7 @@
           <a:p>
             <a:fld id="{3D2C2ACD-6AEA-D843-8AF0-F80CB715BF95}" type="datetimeFigureOut">
               <a:rPr lang="en-US" smtClean="0"/>
-              <a:t>9/29/21</a:t>
+              <a:t>8/5/22</a:t>
             </a:fld>
             <a:endParaRPr lang="en-US"/>
           </a:p>
@@ -2632,7 +2632,7 @@
           <a:p>
             <a:fld id="{3D2C2ACD-6AEA-D843-8AF0-F80CB715BF95}" type="datetimeFigureOut">
               <a:rPr lang="en-US" smtClean="0"/>
-              <a:t>9/29/21</a:t>
+              <a:t>8/5/22</a:t>
             </a:fld>
             <a:endParaRPr lang="en-US"/>
           </a:p>
@@ -2943,7 +2943,7 @@
           <a:p>
             <a:fld id="{3D2C2ACD-6AEA-D843-8AF0-F80CB715BF95}" type="datetimeFigureOut">
               <a:rPr lang="en-US" smtClean="0"/>
-              <a:t>9/29/21</a:t>
+              <a:t>8/5/22</a:t>
             </a:fld>
             <a:endParaRPr lang="en-US"/>
           </a:p>
@@ -3231,7 +3231,7 @@
           <a:p>
             <a:fld id="{3D2C2ACD-6AEA-D843-8AF0-F80CB715BF95}" type="datetimeFigureOut">
               <a:rPr lang="en-US" smtClean="0"/>
-              <a:t>9/29/21</a:t>
+              <a:t>8/5/22</a:t>
             </a:fld>
             <a:endParaRPr lang="en-US"/>
           </a:p>
@@ -3472,7 +3472,7 @@
           <a:p>
             <a:fld id="{3D2C2ACD-6AEA-D843-8AF0-F80CB715BF95}" type="datetimeFigureOut">
               <a:rPr lang="en-US" smtClean="0"/>
-              <a:t>9/29/21</a:t>
+              <a:t>8/5/22</a:t>
             </a:fld>
             <a:endParaRPr lang="en-US"/>
           </a:p>
@@ -4898,7 +4898,7 @@
                   </a:schemeClr>
                 </a:solidFill>
               </a:rPr>
-              <a:t>Allows us to quickly change implementation of the actual segmentation algorithm</a:t>
+              <a:t>Allows developer to quickly change implementation of the actual segmentation algorithm</a:t>
             </a:r>
           </a:p>
           <a:p>
@@ -5019,7 +5019,7 @@
                   </a:schemeClr>
                 </a:solidFill>
               </a:rPr>
-              <a:t>We used gradient descent (with fixed learning rate), or Euler integration (with specific differential equation), for the level set  based probability maximizer</a:t>
+              <a:t>Used gradient descent (with fixed learning rate), or Euler integration (with specific differential equation), for the level set  based probability maximizer</a:t>
             </a:r>
           </a:p>
           <a:p>
@@ -5031,7 +5031,7 @@
                   </a:schemeClr>
                 </a:solidFill>
               </a:rPr>
-              <a:t>We applied newton method to fit the </a:t>
+              <a:t>Applied newton method to fit the </a:t>
             </a:r>
             <a:r>
               <a:rPr lang="en-US" dirty="0" err="1">
@@ -5192,7 +5192,7 @@
                   </a:schemeClr>
                 </a:solidFill>
               </a:rPr>
-              <a:t>We used very similar approach for separated clicked tooth vs non clicked tooth but with different model parameters and by restricting the whole maximum flow problem to one near the clicked point</a:t>
+              <a:t>Used very similar approach for separated clicked tooth vs non clicked tooth but with different model parameters and by restricting the whole maximum flow problem to one near the clicked point</a:t>
             </a:r>
           </a:p>
         </p:txBody>
@@ -5425,49 +5425,8 @@
                   </a:schemeClr>
                 </a:solidFill>
               </a:rPr>
-              <a:t>All code was done in Java, not python. </a:t>
-            </a:r>
-          </a:p>
-          <a:p>
-            <a:r>
-              <a:rPr lang="en-US" dirty="0">
-                <a:solidFill>
-                  <a:schemeClr val="bg1">
-                    <a:lumMod val="85000"/>
-                  </a:schemeClr>
-                </a:solidFill>
-              </a:rPr>
               <a:t>This presentation assumes basic familiarity with data science  and optimization terms and concepts (for example gaussian mixture, level set optimization, maximum flow algorithm) </a:t>
             </a:r>
-          </a:p>
-          <a:p>
-            <a:r>
-              <a:rPr lang="en-US" dirty="0">
-                <a:solidFill>
-                  <a:schemeClr val="bg1">
-                    <a:lumMod val="85000"/>
-                  </a:schemeClr>
-                </a:solidFill>
-              </a:rPr>
-              <a:t>This presentation gives an overview of what I did in the internship, especially because I am not allowed to upload the actual code on </a:t>
-            </a:r>
-            <a:r>
-              <a:rPr lang="en-US" dirty="0" err="1">
-                <a:solidFill>
-                  <a:schemeClr val="bg1">
-                    <a:lumMod val="85000"/>
-                  </a:schemeClr>
-                </a:solidFill>
-              </a:rPr>
-              <a:t>github</a:t>
-            </a:r>
-            <a:endParaRPr lang="en-US" dirty="0">
-              <a:solidFill>
-                <a:schemeClr val="bg1">
-                  <a:lumMod val="85000"/>
-                </a:schemeClr>
-              </a:solidFill>
-            </a:endParaRPr>
           </a:p>
         </p:txBody>
       </p:sp>
